--- a/Slides/Week 3 Agile software Development.pptx
+++ b/Slides/Week 3 Agile software Development.pptx
@@ -5,10 +5,10 @@
     <p:sldMasterId id="2147483672" r:id="rId1"/>
   </p:sldMasterIdLst>
   <p:notesMasterIdLst>
-    <p:notesMasterId r:id="rId24"/>
+    <p:notesMasterId r:id="rId23"/>
   </p:notesMasterIdLst>
   <p:handoutMasterIdLst>
-    <p:handoutMasterId r:id="rId25"/>
+    <p:handoutMasterId r:id="rId24"/>
   </p:handoutMasterIdLst>
   <p:sldIdLst>
     <p:sldId id="256" r:id="rId2"/>
@@ -31,8 +31,7 @@
     <p:sldId id="276" r:id="rId19"/>
     <p:sldId id="277" r:id="rId20"/>
     <p:sldId id="278" r:id="rId21"/>
-    <p:sldId id="274" r:id="rId22"/>
-    <p:sldId id="275" r:id="rId23"/>
+    <p:sldId id="275" r:id="rId22"/>
   </p:sldIdLst>
   <p:sldSz cx="12192000" cy="6858000"/>
   <p:notesSz cx="6858000" cy="9144000"/>
@@ -199,7 +198,7 @@
           <a:p>
             <a:fld id="{0FEC1AAB-5E7C-43B3-93F1-3B00C2708E32}" type="datetimeFigureOut">
               <a:rPr lang="th-TH" smtClean="0"/>
-              <a:t>10/08/62</a:t>
+              <a:t>29/08/62</a:t>
             </a:fld>
             <a:endParaRPr lang="th-TH"/>
           </a:p>
@@ -377,7 +376,7 @@
           <a:p>
             <a:fld id="{5B1B5456-0566-42F4-BCC8-DF5300E15663}" type="datetimeFigureOut">
               <a:rPr lang="th-TH" smtClean="0"/>
-              <a:t>10/08/62</a:t>
+              <a:t>29/08/62</a:t>
             </a:fld>
             <a:endParaRPr lang="th-TH"/>
           </a:p>
@@ -13998,161 +13997,6 @@
           <p:cNvPr id="2" name="ชื่อเรื่อง 1">
             <a:extLst>
               <a:ext uri="{FF2B5EF4-FFF2-40B4-BE49-F238E27FC236}">
-                <a16:creationId xmlns:a16="http://schemas.microsoft.com/office/drawing/2014/main" id="{628F4E10-2EEC-425F-9741-DC0780D99898}"/>
-              </a:ext>
-            </a:extLst>
-          </p:cNvPr>
-          <p:cNvSpPr>
-            <a:spLocks noGrp="1"/>
-          </p:cNvSpPr>
-          <p:nvPr>
-            <p:ph type="title"/>
-          </p:nvPr>
-        </p:nvSpPr>
-        <p:spPr/>
-        <p:txBody>
-          <a:bodyPr/>
-          <a:lstStyle/>
-          <a:p>
-            <a:r>
-              <a:rPr lang="en-US" sz="5400" b="1" dirty="0">
-                <a:solidFill>
-                  <a:schemeClr val="accent1"/>
-                </a:solidFill>
-                <a:latin typeface="TH Baijam" panose="02000506000000020004" pitchFamily="2" charset="-34"/>
-                <a:cs typeface="TH Baijam" panose="02000506000000020004" pitchFamily="2" charset="-34"/>
-              </a:rPr>
-              <a:t>To be continued</a:t>
-            </a:r>
-            <a:endParaRPr lang="th-TH" sz="5400" b="1" dirty="0">
-              <a:solidFill>
-                <a:schemeClr val="accent1"/>
-              </a:solidFill>
-              <a:latin typeface="TH Baijam" panose="02000506000000020004" pitchFamily="2" charset="-34"/>
-              <a:cs typeface="TH Baijam" panose="02000506000000020004" pitchFamily="2" charset="-34"/>
-            </a:endParaRPr>
-          </a:p>
-        </p:txBody>
-      </p:sp>
-      <p:sp>
-        <p:nvSpPr>
-          <p:cNvPr id="3" name="ตัวแทนเนื้อหา 2">
-            <a:extLst>
-              <a:ext uri="{FF2B5EF4-FFF2-40B4-BE49-F238E27FC236}">
-                <a16:creationId xmlns:a16="http://schemas.microsoft.com/office/drawing/2014/main" id="{923BA200-50F1-458C-9BDE-DA41BE894636}"/>
-              </a:ext>
-            </a:extLst>
-          </p:cNvPr>
-          <p:cNvSpPr>
-            <a:spLocks noGrp="1"/>
-          </p:cNvSpPr>
-          <p:nvPr>
-            <p:ph idx="1"/>
-          </p:nvPr>
-        </p:nvSpPr>
-        <p:spPr/>
-        <p:txBody>
-          <a:bodyPr/>
-          <a:lstStyle/>
-          <a:p>
-            <a:endParaRPr lang="th-TH"/>
-          </a:p>
-        </p:txBody>
-      </p:sp>
-      <p:sp>
-        <p:nvSpPr>
-          <p:cNvPr id="5" name="ตัวแทนท้ายกระดาษ 4">
-            <a:extLst>
-              <a:ext uri="{FF2B5EF4-FFF2-40B4-BE49-F238E27FC236}">
-                <a16:creationId xmlns:a16="http://schemas.microsoft.com/office/drawing/2014/main" id="{265B3C63-79DB-4B45-B68F-F22C9E2E3086}"/>
-              </a:ext>
-            </a:extLst>
-          </p:cNvPr>
-          <p:cNvSpPr>
-            <a:spLocks noGrp="1"/>
-          </p:cNvSpPr>
-          <p:nvPr>
-            <p:ph type="ftr" sz="quarter" idx="11"/>
-          </p:nvPr>
-        </p:nvSpPr>
-        <p:spPr/>
-        <p:txBody>
-          <a:bodyPr/>
-          <a:lstStyle/>
-          <a:p>
-            <a:r>
-              <a:rPr lang="en-US"/>
-              <a:t>Week 3 Agile Software Development</a:t>
-            </a:r>
-            <a:endParaRPr lang="th-TH" dirty="0"/>
-          </a:p>
-        </p:txBody>
-      </p:sp>
-      <p:sp>
-        <p:nvSpPr>
-          <p:cNvPr id="6" name="ตัวแทนหมายเลขสไลด์ 5">
-            <a:extLst>
-              <a:ext uri="{FF2B5EF4-FFF2-40B4-BE49-F238E27FC236}">
-                <a16:creationId xmlns:a16="http://schemas.microsoft.com/office/drawing/2014/main" id="{E1DAC60A-8798-4CAB-A4DC-437C8B2E5CBD}"/>
-              </a:ext>
-            </a:extLst>
-          </p:cNvPr>
-          <p:cNvSpPr>
-            <a:spLocks noGrp="1"/>
-          </p:cNvSpPr>
-          <p:nvPr>
-            <p:ph type="sldNum" sz="quarter" idx="12"/>
-          </p:nvPr>
-        </p:nvSpPr>
-        <p:spPr/>
-        <p:txBody>
-          <a:bodyPr/>
-          <a:lstStyle/>
-          <a:p>
-            <a:fld id="{5D639AA3-5093-4478-A661-E12EC870A0F9}" type="slidenum">
-              <a:rPr lang="th-TH" smtClean="0"/>
-              <a:pPr/>
-              <a:t>21</a:t>
-            </a:fld>
-            <a:endParaRPr lang="th-TH"/>
-          </a:p>
-        </p:txBody>
-      </p:sp>
-    </p:spTree>
-    <p:extLst>
-      <p:ext uri="{BB962C8B-B14F-4D97-AF65-F5344CB8AC3E}">
-        <p14:creationId xmlns:p14="http://schemas.microsoft.com/office/powerpoint/2010/main" val="4055229482"/>
-      </p:ext>
-    </p:extLst>
-  </p:cSld>
-  <p:clrMapOvr>
-    <a:masterClrMapping/>
-  </p:clrMapOvr>
-</p:sld>
-</file>
-
-<file path=ppt/slides/slide22.xml><?xml version="1.0" encoding="utf-8"?>
-<p:sld xmlns:a="http://schemas.openxmlformats.org/drawingml/2006/main" xmlns:r="http://schemas.openxmlformats.org/officeDocument/2006/relationships" xmlns:p="http://schemas.openxmlformats.org/presentationml/2006/main">
-  <p:cSld>
-    <p:spTree>
-      <p:nvGrpSpPr>
-        <p:cNvPr id="1" name=""/>
-        <p:cNvGrpSpPr/>
-        <p:nvPr/>
-      </p:nvGrpSpPr>
-      <p:grpSpPr>
-        <a:xfrm>
-          <a:off x="0" y="0"/>
-          <a:ext cx="0" cy="0"/>
-          <a:chOff x="0" y="0"/>
-          <a:chExt cx="0" cy="0"/>
-        </a:xfrm>
-      </p:grpSpPr>
-      <p:sp>
-        <p:nvSpPr>
-          <p:cNvPr id="2" name="ชื่อเรื่อง 1">
-            <a:extLst>
-              <a:ext uri="{FF2B5EF4-FFF2-40B4-BE49-F238E27FC236}">
                 <a16:creationId xmlns:a16="http://schemas.microsoft.com/office/drawing/2014/main" id="{8B1C45A0-DC28-4D81-B55C-93437DF18657}"/>
               </a:ext>
             </a:extLst>
@@ -14251,7 +14095,7 @@
             <a:fld id="{5D639AA3-5093-4478-A661-E12EC870A0F9}" type="slidenum">
               <a:rPr lang="th-TH" smtClean="0"/>
               <a:pPr/>
-              <a:t>22</a:t>
+              <a:t>21</a:t>
             </a:fld>
             <a:endParaRPr lang="th-TH"/>
           </a:p>
